--- a/Solar System Simulator prototype presentatie.pptx
+++ b/Solar System Simulator prototype presentatie.pptx
@@ -3369,11 +3369,6 @@
               </a:rPr>
               <a:t>U.X.</a:t>
             </a:r>
-            <a:endParaRPr lang="nl-NL" dirty="0" smtClean="0">
-              <a:solidFill>
-                <a:schemeClr val="bg1"/>
-              </a:solidFill>
-            </a:endParaRPr>
           </a:p>
           <a:p>
             <a:r>
@@ -3484,37 +3479,88 @@
           </a:p>
         </p:txBody>
       </p:sp>
-      <p:sp>
-        <p:nvSpPr>
-          <p:cNvPr id="3" name="Tijdelijke aanduiding voor inhoud 2"/>
-          <p:cNvSpPr>
-            <a:spLocks noGrp="1"/>
-          </p:cNvSpPr>
-          <p:nvPr>
-            <p:ph idx="1"/>
-          </p:nvPr>
-        </p:nvSpPr>
-        <p:spPr>
+      <p:pic>
+        <p:nvPicPr>
+          <p:cNvPr id="1026" name="Picture 2" descr="https://cdn.discordapp.com/attachments/370561028683202570/555363294525915167/pluto.PNG"/>
+          <p:cNvPicPr>
+            <a:picLocks noChangeAspect="1" noChangeArrowheads="1"/>
+          </p:cNvPicPr>
+          <p:nvPr/>
+        </p:nvPicPr>
+        <p:blipFill>
+          <a:blip r:embed="rId2">
+            <a:extLst>
+              <a:ext uri="{28A0092B-C50C-407E-A947-70E740481C1C}">
+                <a14:useLocalDpi xmlns:a14="http://schemas.microsoft.com/office/drawing/2010/main" val="0"/>
+              </a:ext>
+            </a:extLst>
+          </a:blip>
+          <a:srcRect/>
+          <a:stretch>
+            <a:fillRect/>
+          </a:stretch>
+        </p:blipFill>
+        <p:spPr bwMode="auto">
           <a:xfrm>
-            <a:off x="3203848" y="2132856"/>
-            <a:ext cx="5493296" cy="3517851"/>
+            <a:off x="275856" y="2996952"/>
+            <a:ext cx="3525836" cy="3624462"/>
           </a:xfrm>
+          <a:prstGeom prst="rect">
+            <a:avLst/>
+          </a:prstGeom>
+          <a:noFill/>
+          <a:extLst>
+            <a:ext uri="{909E8E84-426E-40DD-AFC4-6F175D3DCCD1}">
+              <a14:hiddenFill xmlns:a14="http://schemas.microsoft.com/office/drawing/2010/main">
+                <a:solidFill>
+                  <a:srgbClr val="FFFFFF"/>
+                </a:solidFill>
+              </a14:hiddenFill>
+            </a:ext>
+          </a:extLst>
         </p:spPr>
-        <p:txBody>
-          <a:bodyPr/>
-          <a:lstStyle/>
-          <a:p>
-            <a:r>
-              <a:rPr lang="nl-NL" dirty="0" smtClean="0">
-                <a:solidFill>
-                  <a:schemeClr val="bg1"/>
-                </a:solidFill>
-              </a:rPr>
-              <a:t>?</a:t>
-            </a:r>
-          </a:p>
-        </p:txBody>
-      </p:sp>
+      </p:pic>
+      <p:pic>
+        <p:nvPicPr>
+          <p:cNvPr id="1028" name="Picture 4" descr="https://cdn.discordapp.com/attachments/370561028683202570/555362524946628638/kekke_maan.PNG"/>
+          <p:cNvPicPr>
+            <a:picLocks noChangeAspect="1" noChangeArrowheads="1"/>
+          </p:cNvPicPr>
+          <p:nvPr/>
+        </p:nvPicPr>
+        <p:blipFill>
+          <a:blip r:embed="rId3" cstate="print">
+            <a:extLst>
+              <a:ext uri="{28A0092B-C50C-407E-A947-70E740481C1C}">
+                <a14:useLocalDpi xmlns:a14="http://schemas.microsoft.com/office/drawing/2010/main" val="0"/>
+              </a:ext>
+            </a:extLst>
+          </a:blip>
+          <a:srcRect/>
+          <a:stretch>
+            <a:fillRect/>
+          </a:stretch>
+        </p:blipFill>
+        <p:spPr bwMode="auto">
+          <a:xfrm>
+            <a:off x="3563888" y="1484784"/>
+            <a:ext cx="5143023" cy="2768788"/>
+          </a:xfrm>
+          <a:prstGeom prst="rect">
+            <a:avLst/>
+          </a:prstGeom>
+          <a:noFill/>
+          <a:extLst>
+            <a:ext uri="{909E8E84-426E-40DD-AFC4-6F175D3DCCD1}">
+              <a14:hiddenFill xmlns:a14="http://schemas.microsoft.com/office/drawing/2010/main">
+                <a:solidFill>
+                  <a:srgbClr val="FFFFFF"/>
+                </a:solidFill>
+              </a14:hiddenFill>
+            </a:ext>
+          </a:extLst>
+        </p:spPr>
+      </p:pic>
     </p:spTree>
     <p:extLst>
       <p:ext uri="{BB962C8B-B14F-4D97-AF65-F5344CB8AC3E}">
@@ -3793,11 +3839,6 @@
               </a:rPr>
               <a:t>Planning</a:t>
             </a:r>
-            <a:endParaRPr lang="nl-NL" dirty="0" smtClean="0">
-              <a:solidFill>
-                <a:schemeClr val="bg1"/>
-              </a:solidFill>
-            </a:endParaRPr>
           </a:p>
           <a:p>
             <a:r>
